--- a/docs/songs_2022-09-25.pptx
+++ b/docs/songs_2022-09-25.pptx
@@ -5,7 +5,7 @@
     <p:sldMasterId id="2147483648" r:id="rId1"/>
   </p:sldMasterIdLst>
   <p:notesMasterIdLst>
-    <p:notesMasterId r:id="rId45"/>
+    <p:notesMasterId r:id="rId33"/>
   </p:notesMasterIdLst>
   <p:sldIdLst>
     <p:sldId id="459" r:id="rId2"/>
@@ -38,19 +38,7 @@
     <p:sldId id="696" r:id="rId29"/>
     <p:sldId id="605" r:id="rId30"/>
     <p:sldId id="540" r:id="rId31"/>
-    <p:sldId id="694" r:id="rId32"/>
-    <p:sldId id="607" r:id="rId33"/>
-    <p:sldId id="662" r:id="rId34"/>
-    <p:sldId id="627" r:id="rId35"/>
-    <p:sldId id="653" r:id="rId36"/>
-    <p:sldId id="655" r:id="rId37"/>
-    <p:sldId id="654" r:id="rId38"/>
-    <p:sldId id="656" r:id="rId39"/>
-    <p:sldId id="657" r:id="rId40"/>
-    <p:sldId id="661" r:id="rId41"/>
-    <p:sldId id="658" r:id="rId42"/>
-    <p:sldId id="659" r:id="rId43"/>
-    <p:sldId id="660" r:id="rId44"/>
+    <p:sldId id="706" r:id="rId32"/>
   </p:sldIdLst>
   <p:sldSz cx="9144000" cy="6858000" type="screen4x3"/>
   <p:notesSz cx="6858000" cy="9144000"/>
@@ -250,7 +238,7 @@
           <a:p>
             <a:fld id="{C57EAEFC-A9C7-464E-BE3F-33D4DD72E122}" type="datetimeFigureOut">
               <a:rPr lang="en-GB" smtClean="0"/>
-              <a:t>19/09/2022</a:t>
+              <a:t>24/09/2022</a:t>
             </a:fld>
             <a:endParaRPr lang="en-GB"/>
           </a:p>
@@ -700,7 +688,7 @@
             <a:fld id="{26EA1CF3-4A15-4CBF-9A5A-6A56C368BE71}" type="datetimeFigureOut">
               <a:rPr lang="en-GB" smtClean="0"/>
               <a:pPr/>
-              <a:t>19/09/2022</a:t>
+              <a:t>24/09/2022</a:t>
             </a:fld>
             <a:endParaRPr lang="en-GB"/>
           </a:p>
@@ -867,7 +855,7 @@
             <a:fld id="{26EA1CF3-4A15-4CBF-9A5A-6A56C368BE71}" type="datetimeFigureOut">
               <a:rPr lang="en-GB" smtClean="0"/>
               <a:pPr/>
-              <a:t>19/09/2022</a:t>
+              <a:t>24/09/2022</a:t>
             </a:fld>
             <a:endParaRPr lang="en-GB"/>
           </a:p>
@@ -1044,7 +1032,7 @@
             <a:fld id="{26EA1CF3-4A15-4CBF-9A5A-6A56C368BE71}" type="datetimeFigureOut">
               <a:rPr lang="en-GB" smtClean="0"/>
               <a:pPr/>
-              <a:t>19/09/2022</a:t>
+              <a:t>24/09/2022</a:t>
             </a:fld>
             <a:endParaRPr lang="en-GB"/>
           </a:p>
@@ -1211,7 +1199,7 @@
             <a:fld id="{26EA1CF3-4A15-4CBF-9A5A-6A56C368BE71}" type="datetimeFigureOut">
               <a:rPr lang="en-GB" smtClean="0"/>
               <a:pPr/>
-              <a:t>19/09/2022</a:t>
+              <a:t>24/09/2022</a:t>
             </a:fld>
             <a:endParaRPr lang="en-GB"/>
           </a:p>
@@ -1454,7 +1442,7 @@
             <a:fld id="{26EA1CF3-4A15-4CBF-9A5A-6A56C368BE71}" type="datetimeFigureOut">
               <a:rPr lang="en-GB" smtClean="0"/>
               <a:pPr/>
-              <a:t>19/09/2022</a:t>
+              <a:t>24/09/2022</a:t>
             </a:fld>
             <a:endParaRPr lang="en-GB"/>
           </a:p>
@@ -1739,7 +1727,7 @@
             <a:fld id="{26EA1CF3-4A15-4CBF-9A5A-6A56C368BE71}" type="datetimeFigureOut">
               <a:rPr lang="en-GB" smtClean="0"/>
               <a:pPr/>
-              <a:t>19/09/2022</a:t>
+              <a:t>24/09/2022</a:t>
             </a:fld>
             <a:endParaRPr lang="en-GB"/>
           </a:p>
@@ -2158,7 +2146,7 @@
             <a:fld id="{26EA1CF3-4A15-4CBF-9A5A-6A56C368BE71}" type="datetimeFigureOut">
               <a:rPr lang="en-GB" smtClean="0"/>
               <a:pPr/>
-              <a:t>19/09/2022</a:t>
+              <a:t>24/09/2022</a:t>
             </a:fld>
             <a:endParaRPr lang="en-GB"/>
           </a:p>
@@ -2273,7 +2261,7 @@
             <a:fld id="{26EA1CF3-4A15-4CBF-9A5A-6A56C368BE71}" type="datetimeFigureOut">
               <a:rPr lang="en-GB" smtClean="0"/>
               <a:pPr/>
-              <a:t>19/09/2022</a:t>
+              <a:t>24/09/2022</a:t>
             </a:fld>
             <a:endParaRPr lang="en-GB"/>
           </a:p>
@@ -2365,7 +2353,7 @@
             <a:fld id="{26EA1CF3-4A15-4CBF-9A5A-6A56C368BE71}" type="datetimeFigureOut">
               <a:rPr lang="en-GB" smtClean="0"/>
               <a:pPr/>
-              <a:t>19/09/2022</a:t>
+              <a:t>24/09/2022</a:t>
             </a:fld>
             <a:endParaRPr lang="en-GB"/>
           </a:p>
@@ -2639,7 +2627,7 @@
             <a:fld id="{26EA1CF3-4A15-4CBF-9A5A-6A56C368BE71}" type="datetimeFigureOut">
               <a:rPr lang="en-GB" smtClean="0"/>
               <a:pPr/>
-              <a:t>19/09/2022</a:t>
+              <a:t>24/09/2022</a:t>
             </a:fld>
             <a:endParaRPr lang="en-GB"/>
           </a:p>
@@ -2889,7 +2877,7 @@
             <a:fld id="{26EA1CF3-4A15-4CBF-9A5A-6A56C368BE71}" type="datetimeFigureOut">
               <a:rPr lang="en-GB" smtClean="0"/>
               <a:pPr/>
-              <a:t>19/09/2022</a:t>
+              <a:t>24/09/2022</a:t>
             </a:fld>
             <a:endParaRPr lang="en-GB"/>
           </a:p>
@@ -3102,7 +3090,7 @@
             <a:fld id="{26EA1CF3-4A15-4CBF-9A5A-6A56C368BE71}" type="datetimeFigureOut">
               <a:rPr lang="en-GB" smtClean="0"/>
               <a:pPr/>
-              <a:t>19/09/2022</a:t>
+              <a:t>24/09/2022</a:t>
             </a:fld>
             <a:endParaRPr lang="en-GB"/>
           </a:p>
@@ -7145,482 +7133,244 @@
           <a:chExt cx="0" cy="0"/>
         </a:xfrm>
       </p:grpSpPr>
-      <p:sp>
-        <p:nvSpPr>
-          <p:cNvPr id="3" name="Subtitle 2"/>
-          <p:cNvSpPr>
-            <a:spLocks noGrp="1"/>
-          </p:cNvSpPr>
-          <p:nvPr>
-            <p:ph type="subTitle" idx="1"/>
-          </p:nvPr>
-        </p:nvSpPr>
-        <p:spPr>
+      <p:pic>
+        <p:nvPicPr>
+          <p:cNvPr id="1026" name="Picture 2">
+            <a:extLst>
+              <a:ext uri="{FF2B5EF4-FFF2-40B4-BE49-F238E27FC236}">
+                <a16:creationId xmlns:a16="http://schemas.microsoft.com/office/drawing/2014/main" id="{C97A257A-9CBA-0BD1-93F3-D2C09425E708}"/>
+              </a:ext>
+            </a:extLst>
+          </p:cNvPr>
+          <p:cNvPicPr>
+            <a:picLocks noChangeAspect="1" noChangeArrowheads="1"/>
+          </p:cNvPicPr>
+          <p:nvPr/>
+        </p:nvPicPr>
+        <p:blipFill>
+          <a:blip r:embed="rId2">
+            <a:extLst>
+              <a:ext uri="{28A0092B-C50C-407E-A947-70E740481C1C}">
+                <a14:useLocalDpi xmlns:a14="http://schemas.microsoft.com/office/drawing/2010/main" val="0"/>
+              </a:ext>
+            </a:extLst>
+          </a:blip>
+          <a:srcRect/>
+          <a:stretch>
+            <a:fillRect/>
+          </a:stretch>
+        </p:blipFill>
+        <p:spPr bwMode="auto">
           <a:xfrm>
-            <a:off x="323528" y="188640"/>
-            <a:ext cx="8640960" cy="6480720"/>
-          </a:xfrm>
-        </p:spPr>
-        <p:txBody>
-          <a:bodyPr>
-            <a:noAutofit/>
-          </a:bodyPr>
-          <a:lstStyle/>
-          <a:p>
-            <a:endParaRPr lang="en-GB" sz="5400" dirty="0">
-              <a:solidFill>
-                <a:schemeClr val="bg1"/>
-              </a:solidFill>
-            </a:endParaRPr>
-          </a:p>
-          <a:p>
-            <a:r>
-              <a:rPr lang="en-GB" sz="6600" b="0" i="0" dirty="0">
-                <a:solidFill>
-                  <a:srgbClr val="00A3E0"/>
-                </a:solidFill>
-                <a:effectLst/>
-                <a:latin typeface="akagi_probook"/>
-              </a:rPr>
-              <a:t>Believe For It</a:t>
-            </a:r>
-          </a:p>
-          <a:p>
-            <a:br>
-              <a:rPr lang="en-GB" sz="1200" dirty="0">
-                <a:solidFill>
-                  <a:schemeClr val="bg1"/>
-                </a:solidFill>
-              </a:rPr>
-            </a:br>
-            <a:r>
-              <a:rPr lang="en-GB" sz="1200" dirty="0">
-                <a:solidFill>
-                  <a:schemeClr val="bg1"/>
-                </a:solidFill>
-              </a:rPr>
-              <a:t>CCLI Song # 7169164</a:t>
-            </a:r>
-          </a:p>
-          <a:p>
-            <a:endParaRPr lang="en-GB" sz="1200" dirty="0">
-              <a:solidFill>
-                <a:schemeClr val="bg1"/>
-              </a:solidFill>
-            </a:endParaRPr>
-          </a:p>
-          <a:p>
-            <a:r>
-              <a:rPr lang="en-GB" sz="1200" dirty="0">
-                <a:solidFill>
-                  <a:schemeClr val="bg1"/>
-                </a:solidFill>
-              </a:rPr>
-              <a:t>CeCe </a:t>
-            </a:r>
-            <a:r>
-              <a:rPr lang="en-GB" sz="1200" dirty="0" err="1">
-                <a:solidFill>
-                  <a:schemeClr val="bg1"/>
-                </a:solidFill>
-              </a:rPr>
-              <a:t>Winans</a:t>
-            </a:r>
-            <a:r>
-              <a:rPr lang="en-GB" sz="1200" dirty="0">
-                <a:solidFill>
-                  <a:schemeClr val="bg1"/>
-                </a:solidFill>
-              </a:rPr>
-              <a:t> | Dwan Hill | Kyle Lee | Mitch Wong</a:t>
-            </a:r>
-          </a:p>
-          <a:p>
-            <a:endParaRPr lang="en-GB" sz="1200" dirty="0">
-              <a:solidFill>
-                <a:schemeClr val="bg1"/>
-              </a:solidFill>
-            </a:endParaRPr>
-          </a:p>
-          <a:p>
-            <a:r>
-              <a:rPr lang="en-GB" sz="1200" dirty="0">
-                <a:solidFill>
-                  <a:schemeClr val="bg1"/>
-                </a:solidFill>
-              </a:rPr>
-              <a:t>© 2021 Fair Trade Tunes (Admin. by / Small Stone Media BV, Holland (Admin. in the UK/Eire by Song Solutions www.songsolutions.org))</a:t>
-            </a:r>
-          </a:p>
-          <a:p>
-            <a:r>
-              <a:rPr lang="en-GB" sz="1200" dirty="0">
-                <a:solidFill>
-                  <a:schemeClr val="bg1"/>
-                </a:solidFill>
-              </a:rPr>
-              <a:t>From The Void (Admin. by / Small Stone Media BV, Holland (Admin. in the UK/Eire by Song Solutions www.songsolutions.org))</a:t>
-            </a:r>
-          </a:p>
-          <a:p>
-            <a:r>
-              <a:rPr lang="en-GB" sz="1200" dirty="0">
-                <a:solidFill>
-                  <a:schemeClr val="bg1"/>
-                </a:solidFill>
-              </a:rPr>
-              <a:t>A Wong Made Write Publishing (Admin. by Integrity Music Ltd)</a:t>
-            </a:r>
-          </a:p>
-          <a:p>
-            <a:r>
-              <a:rPr lang="en-GB" sz="1200" dirty="0">
-                <a:solidFill>
-                  <a:schemeClr val="bg1"/>
-                </a:solidFill>
-              </a:rPr>
-              <a:t>Integrity's Praise! Music (Admin. by Integrity Music Ltd)</a:t>
-            </a:r>
-          </a:p>
-          <a:p>
-            <a:r>
-              <a:rPr lang="en-GB" sz="1200" dirty="0">
-                <a:solidFill>
-                  <a:schemeClr val="bg1"/>
-                </a:solidFill>
-              </a:rPr>
-              <a:t>Big Buddy Music (Admin. by Song Solutions www.songsolutions.org)</a:t>
-            </a:r>
-          </a:p>
-          <a:p>
-            <a:r>
-              <a:rPr lang="en-GB" sz="1200" dirty="0">
-                <a:solidFill>
-                  <a:schemeClr val="bg1"/>
-                </a:solidFill>
-              </a:rPr>
-              <a:t>Little </a:t>
-            </a:r>
-            <a:r>
-              <a:rPr lang="en-GB" sz="1200" dirty="0" err="1">
-                <a:solidFill>
-                  <a:schemeClr val="bg1"/>
-                </a:solidFill>
-              </a:rPr>
-              <a:t>Pooky's</a:t>
-            </a:r>
-            <a:r>
-              <a:rPr lang="en-GB" sz="1200" dirty="0">
-                <a:solidFill>
-                  <a:schemeClr val="bg1"/>
-                </a:solidFill>
-              </a:rPr>
-              <a:t> Music (Admin. by Song Solutions www.songsolutions.org)</a:t>
-            </a:r>
-          </a:p>
-          <a:p>
-            <a:r>
-              <a:rPr lang="en-GB" sz="1200" dirty="0">
-                <a:solidFill>
-                  <a:schemeClr val="bg1"/>
-                </a:solidFill>
-              </a:rPr>
-              <a:t>For use solely with the </a:t>
-            </a:r>
-            <a:r>
-              <a:rPr lang="en-GB" sz="1200" dirty="0" err="1">
-                <a:solidFill>
-                  <a:schemeClr val="bg1"/>
-                </a:solidFill>
-              </a:rPr>
-              <a:t>SongSelect</a:t>
-            </a:r>
-            <a:r>
-              <a:rPr lang="en-GB" sz="1200" dirty="0">
-                <a:solidFill>
-                  <a:schemeClr val="bg1"/>
-                </a:solidFill>
-              </a:rPr>
-              <a:t>® Terms of Use. All rights reserved. www.ccli.com</a:t>
-            </a:r>
-          </a:p>
-          <a:p>
-            <a:endParaRPr lang="en-GB" sz="1200" dirty="0">
-              <a:solidFill>
-                <a:schemeClr val="bg1"/>
-              </a:solidFill>
-            </a:endParaRPr>
-          </a:p>
-          <a:p>
-            <a:r>
-              <a:rPr lang="en-GB" sz="1200" dirty="0">
-                <a:solidFill>
-                  <a:schemeClr val="bg1"/>
-                </a:solidFill>
-              </a:rPr>
-              <a:t>CCLI Licence No. 33265</a:t>
-            </a:r>
-          </a:p>
-        </p:txBody>
-      </p:sp>
-    </p:spTree>
-    <p:extLst>
-      <p:ext uri="{BB962C8B-B14F-4D97-AF65-F5344CB8AC3E}">
-        <p14:creationId xmlns:p14="http://schemas.microsoft.com/office/powerpoint/2010/main" val="1395182143"/>
-      </p:ext>
-    </p:extLst>
-  </p:cSld>
-  <p:clrMapOvr>
-    <a:masterClrMapping/>
-  </p:clrMapOvr>
-</p:sld>
-</file>
-
-<file path=ppt/slides/slide32.xml><?xml version="1.0" encoding="utf-8"?>
-<p:sld xmlns:a="http://schemas.openxmlformats.org/drawingml/2006/main" xmlns:r="http://schemas.openxmlformats.org/officeDocument/2006/relationships" xmlns:p="http://schemas.openxmlformats.org/presentationml/2006/main">
-  <p:cSld>
-    <p:spTree>
-      <p:nvGrpSpPr>
-        <p:cNvPr id="1" name=""/>
-        <p:cNvGrpSpPr/>
-        <p:nvPr/>
-      </p:nvGrpSpPr>
-      <p:grpSpPr>
-        <a:xfrm>
-          <a:off x="0" y="0"/>
-          <a:ext cx="0" cy="0"/>
-          <a:chOff x="0" y="0"/>
-          <a:chExt cx="0" cy="0"/>
-        </a:xfrm>
-      </p:grpSpPr>
-      <p:sp>
-        <p:nvSpPr>
-          <p:cNvPr id="3" name="Subtitle 2"/>
-          <p:cNvSpPr>
-            <a:spLocks noGrp="1"/>
-          </p:cNvSpPr>
-          <p:nvPr>
-            <p:ph type="subTitle" idx="1"/>
-          </p:nvPr>
-        </p:nvSpPr>
-        <p:spPr>
-          <a:xfrm>
-            <a:off x="323528" y="188640"/>
-            <a:ext cx="8640960" cy="6480720"/>
-          </a:xfrm>
-        </p:spPr>
-        <p:txBody>
-          <a:bodyPr>
-            <a:noAutofit/>
-          </a:bodyPr>
-          <a:lstStyle/>
-          <a:p>
-            <a:r>
-              <a:rPr lang="en-GB" sz="4000" dirty="0">
-                <a:solidFill>
-                  <a:schemeClr val="bg1"/>
-                </a:solidFill>
-              </a:rPr>
-              <a:t>They say this mountain can't be moved</a:t>
-            </a:r>
-          </a:p>
-          <a:p>
-            <a:r>
-              <a:rPr lang="en-GB" sz="4000" dirty="0">
-                <a:solidFill>
-                  <a:schemeClr val="bg1"/>
-                </a:solidFill>
-              </a:rPr>
-              <a:t>They say these chains will never break</a:t>
-            </a:r>
-          </a:p>
-          <a:p>
-            <a:r>
-              <a:rPr lang="en-GB" sz="4000" dirty="0">
-                <a:solidFill>
-                  <a:schemeClr val="bg1"/>
-                </a:solidFill>
-              </a:rPr>
-              <a:t>But they don't know You like we do</a:t>
-            </a:r>
-          </a:p>
-          <a:p>
-            <a:r>
-              <a:rPr lang="en-GB" sz="4000" dirty="0">
-                <a:solidFill>
-                  <a:schemeClr val="bg1"/>
-                </a:solidFill>
-              </a:rPr>
-              <a:t>There is power in Your name</a:t>
-            </a:r>
-          </a:p>
-        </p:txBody>
-      </p:sp>
-      <p:sp>
-        <p:nvSpPr>
-          <p:cNvPr id="4" name="TextBox 3"/>
-          <p:cNvSpPr txBox="1"/>
-          <p:nvPr/>
-        </p:nvSpPr>
-        <p:spPr>
-          <a:xfrm>
-            <a:off x="8529729" y="0"/>
-            <a:ext cx="628698" cy="461665"/>
+            <a:off x="4763" y="381000"/>
+            <a:ext cx="9134475" cy="6096000"/>
           </a:xfrm>
           <a:prstGeom prst="rect">
             <a:avLst/>
           </a:prstGeom>
           <a:noFill/>
+          <a:extLst>
+            <a:ext uri="{909E8E84-426E-40DD-AFC4-6F175D3DCCD1}">
+              <a14:hiddenFill xmlns:a14="http://schemas.microsoft.com/office/drawing/2010/main">
+                <a:solidFill>
+                  <a:srgbClr val="FFFFFF"/>
+                </a:solidFill>
+              </a14:hiddenFill>
+            </a:ext>
+          </a:extLst>
         </p:spPr>
-        <p:txBody>
-          <a:bodyPr wrap="none" rtlCol="0">
-            <a:spAutoFit/>
-          </a:bodyPr>
-          <a:lstStyle/>
-          <a:p>
-            <a:r>
-              <a:rPr lang="en-GB" sz="2400" b="1" dirty="0">
-                <a:solidFill>
-                  <a:schemeClr val="bg1"/>
-                </a:solidFill>
-              </a:rPr>
-              <a:t>1/6</a:t>
-            </a:r>
-          </a:p>
-        </p:txBody>
-      </p:sp>
-    </p:spTree>
-    <p:extLst>
-      <p:ext uri="{BB962C8B-B14F-4D97-AF65-F5344CB8AC3E}">
-        <p14:creationId xmlns:p14="http://schemas.microsoft.com/office/powerpoint/2010/main" val="2456533184"/>
-      </p:ext>
-    </p:extLst>
-  </p:cSld>
-  <p:clrMapOvr>
-    <a:masterClrMapping/>
-  </p:clrMapOvr>
-</p:sld>
-</file>
-
-<file path=ppt/slides/slide33.xml><?xml version="1.0" encoding="utf-8"?>
-<p:sld xmlns:a="http://schemas.openxmlformats.org/drawingml/2006/main" xmlns:r="http://schemas.openxmlformats.org/officeDocument/2006/relationships" xmlns:p="http://schemas.openxmlformats.org/presentationml/2006/main">
-  <p:cSld>
-    <p:spTree>
-      <p:nvGrpSpPr>
-        <p:cNvPr id="1" name=""/>
-        <p:cNvGrpSpPr/>
-        <p:nvPr/>
-      </p:nvGrpSpPr>
-      <p:grpSpPr>
-        <a:xfrm>
-          <a:off x="0" y="0"/>
-          <a:ext cx="0" cy="0"/>
-          <a:chOff x="0" y="0"/>
-          <a:chExt cx="0" cy="0"/>
-        </a:xfrm>
-      </p:grpSpPr>
-      <p:sp>
-        <p:nvSpPr>
-          <p:cNvPr id="3" name="Subtitle 2"/>
-          <p:cNvSpPr>
-            <a:spLocks noGrp="1"/>
-          </p:cNvSpPr>
-          <p:nvPr>
-            <p:ph type="subTitle" idx="1"/>
-          </p:nvPr>
+      </p:pic>
+      <p:sp>
+        <p:nvSpPr>
+          <p:cNvPr id="2" name="Subtitle 2">
+            <a:extLst>
+              <a:ext uri="{FF2B5EF4-FFF2-40B4-BE49-F238E27FC236}">
+                <a16:creationId xmlns:a16="http://schemas.microsoft.com/office/drawing/2014/main" id="{2ED24686-D95C-DECA-D51E-F4BBFD2D06F1}"/>
+              </a:ext>
+            </a:extLst>
+          </p:cNvPr>
+          <p:cNvSpPr txBox="1">
+            <a:spLocks/>
+          </p:cNvSpPr>
+          <p:nvPr/>
         </p:nvSpPr>
         <p:spPr>
           <a:xfrm>
-            <a:off x="323528" y="188640"/>
-            <a:ext cx="8640960" cy="6480720"/>
-          </a:xfrm>
-        </p:spPr>
-        <p:txBody>
-          <a:bodyPr>
-            <a:noAutofit/>
-          </a:bodyPr>
-          <a:lstStyle/>
-          <a:p>
-            <a:r>
-              <a:rPr lang="en-GB" sz="4000" dirty="0">
-                <a:solidFill>
-                  <a:schemeClr val="bg1"/>
-                </a:solidFill>
-              </a:rPr>
-              <a:t>We've heard that there is no way through</a:t>
-            </a:r>
-          </a:p>
-          <a:p>
-            <a:r>
-              <a:rPr lang="en-GB" sz="4000" dirty="0">
-                <a:solidFill>
-                  <a:schemeClr val="bg1"/>
-                </a:solidFill>
-              </a:rPr>
-              <a:t>We've heard the tide will never change</a:t>
-            </a:r>
-          </a:p>
-          <a:p>
-            <a:r>
-              <a:rPr lang="en-GB" sz="4000" dirty="0">
-                <a:solidFill>
-                  <a:schemeClr val="bg1"/>
-                </a:solidFill>
-              </a:rPr>
-              <a:t>They haven't seen what You can do</a:t>
-            </a:r>
-          </a:p>
-          <a:p>
-            <a:r>
-              <a:rPr lang="en-GB" sz="4000" dirty="0">
-                <a:solidFill>
-                  <a:schemeClr val="bg1"/>
-                </a:solidFill>
-              </a:rPr>
-              <a:t>There is power in Your name</a:t>
-            </a:r>
-          </a:p>
-          <a:p>
-            <a:r>
-              <a:rPr lang="en-GB" sz="4000" dirty="0">
-                <a:solidFill>
-                  <a:schemeClr val="bg1"/>
-                </a:solidFill>
-              </a:rPr>
-              <a:t>So much power in Your name</a:t>
-            </a:r>
-          </a:p>
-        </p:txBody>
-      </p:sp>
-      <p:sp>
-        <p:nvSpPr>
-          <p:cNvPr id="4" name="TextBox 3"/>
-          <p:cNvSpPr txBox="1"/>
-          <p:nvPr/>
-        </p:nvSpPr>
-        <p:spPr>
-          <a:xfrm>
-            <a:off x="8529729" y="0"/>
-            <a:ext cx="628698" cy="461665"/>
+            <a:off x="6444208" y="1628800"/>
+            <a:ext cx="2304256" cy="3024336"/>
           </a:xfrm>
           <a:prstGeom prst="rect">
             <a:avLst/>
           </a:prstGeom>
-          <a:noFill/>
         </p:spPr>
         <p:txBody>
-          <a:bodyPr wrap="none" rtlCol="0">
-            <a:spAutoFit/>
+          <a:bodyPr>
+            <a:noAutofit/>
           </a:bodyPr>
-          <a:lstStyle/>
-          <a:p>
-            <a:r>
-              <a:rPr lang="en-GB" sz="2400" b="1" dirty="0">
-                <a:solidFill>
-                  <a:schemeClr val="bg1"/>
-                </a:solidFill>
-              </a:rPr>
-              <a:t>2/6</a:t>
+          <a:lstStyle>
+            <a:lvl1pPr marL="342900" indent="-342900" algn="l" defTabSz="914400" rtl="0" eaLnBrk="1" latinLnBrk="0" hangingPunct="1">
+              <a:spcBef>
+                <a:spcPct val="20000"/>
+              </a:spcBef>
+              <a:buFont typeface="Arial" pitchFamily="34" charset="0"/>
+              <a:buChar char="•"/>
+              <a:defRPr sz="3200" kern="1200">
+                <a:solidFill>
+                  <a:schemeClr val="tx1"/>
+                </a:solidFill>
+                <a:latin typeface="+mn-lt"/>
+                <a:ea typeface="+mn-ea"/>
+                <a:cs typeface="+mn-cs"/>
+              </a:defRPr>
+            </a:lvl1pPr>
+            <a:lvl2pPr marL="742950" indent="-285750" algn="l" defTabSz="914400" rtl="0" eaLnBrk="1" latinLnBrk="0" hangingPunct="1">
+              <a:spcBef>
+                <a:spcPct val="20000"/>
+              </a:spcBef>
+              <a:buFont typeface="Arial" pitchFamily="34" charset="0"/>
+              <a:buChar char="–"/>
+              <a:defRPr sz="2800" kern="1200">
+                <a:solidFill>
+                  <a:schemeClr val="tx1"/>
+                </a:solidFill>
+                <a:latin typeface="+mn-lt"/>
+                <a:ea typeface="+mn-ea"/>
+                <a:cs typeface="+mn-cs"/>
+              </a:defRPr>
+            </a:lvl2pPr>
+            <a:lvl3pPr marL="1143000" indent="-228600" algn="l" defTabSz="914400" rtl="0" eaLnBrk="1" latinLnBrk="0" hangingPunct="1">
+              <a:spcBef>
+                <a:spcPct val="20000"/>
+              </a:spcBef>
+              <a:buFont typeface="Arial" pitchFamily="34" charset="0"/>
+              <a:buChar char="•"/>
+              <a:defRPr sz="2400" kern="1200">
+                <a:solidFill>
+                  <a:schemeClr val="tx1"/>
+                </a:solidFill>
+                <a:latin typeface="+mn-lt"/>
+                <a:ea typeface="+mn-ea"/>
+                <a:cs typeface="+mn-cs"/>
+              </a:defRPr>
+            </a:lvl3pPr>
+            <a:lvl4pPr marL="1600200" indent="-228600" algn="l" defTabSz="914400" rtl="0" eaLnBrk="1" latinLnBrk="0" hangingPunct="1">
+              <a:spcBef>
+                <a:spcPct val="20000"/>
+              </a:spcBef>
+              <a:buFont typeface="Arial" pitchFamily="34" charset="0"/>
+              <a:buChar char="–"/>
+              <a:defRPr sz="2000" kern="1200">
+                <a:solidFill>
+                  <a:schemeClr val="tx1"/>
+                </a:solidFill>
+                <a:latin typeface="+mn-lt"/>
+                <a:ea typeface="+mn-ea"/>
+                <a:cs typeface="+mn-cs"/>
+              </a:defRPr>
+            </a:lvl4pPr>
+            <a:lvl5pPr marL="2057400" indent="-228600" algn="l" defTabSz="914400" rtl="0" eaLnBrk="1" latinLnBrk="0" hangingPunct="1">
+              <a:spcBef>
+                <a:spcPct val="20000"/>
+              </a:spcBef>
+              <a:buFont typeface="Arial" pitchFamily="34" charset="0"/>
+              <a:buChar char="»"/>
+              <a:defRPr sz="2000" kern="1200">
+                <a:solidFill>
+                  <a:schemeClr val="tx1"/>
+                </a:solidFill>
+                <a:latin typeface="+mn-lt"/>
+                <a:ea typeface="+mn-ea"/>
+                <a:cs typeface="+mn-cs"/>
+              </a:defRPr>
+            </a:lvl5pPr>
+            <a:lvl6pPr marL="2514600" indent="-228600" algn="l" defTabSz="914400" rtl="0" eaLnBrk="1" latinLnBrk="0" hangingPunct="1">
+              <a:spcBef>
+                <a:spcPct val="20000"/>
+              </a:spcBef>
+              <a:buFont typeface="Arial" pitchFamily="34" charset="0"/>
+              <a:buChar char="•"/>
+              <a:defRPr sz="2000" kern="1200">
+                <a:solidFill>
+                  <a:schemeClr val="tx1"/>
+                </a:solidFill>
+                <a:latin typeface="+mn-lt"/>
+                <a:ea typeface="+mn-ea"/>
+                <a:cs typeface="+mn-cs"/>
+              </a:defRPr>
+            </a:lvl6pPr>
+            <a:lvl7pPr marL="2971800" indent="-228600" algn="l" defTabSz="914400" rtl="0" eaLnBrk="1" latinLnBrk="0" hangingPunct="1">
+              <a:spcBef>
+                <a:spcPct val="20000"/>
+              </a:spcBef>
+              <a:buFont typeface="Arial" pitchFamily="34" charset="0"/>
+              <a:buChar char="•"/>
+              <a:defRPr sz="2000" kern="1200">
+                <a:solidFill>
+                  <a:schemeClr val="tx1"/>
+                </a:solidFill>
+                <a:latin typeface="+mn-lt"/>
+                <a:ea typeface="+mn-ea"/>
+                <a:cs typeface="+mn-cs"/>
+              </a:defRPr>
+            </a:lvl7pPr>
+            <a:lvl8pPr marL="3429000" indent="-228600" algn="l" defTabSz="914400" rtl="0" eaLnBrk="1" latinLnBrk="0" hangingPunct="1">
+              <a:spcBef>
+                <a:spcPct val="20000"/>
+              </a:spcBef>
+              <a:buFont typeface="Arial" pitchFamily="34" charset="0"/>
+              <a:buChar char="•"/>
+              <a:defRPr sz="2000" kern="1200">
+                <a:solidFill>
+                  <a:schemeClr val="tx1"/>
+                </a:solidFill>
+                <a:latin typeface="+mn-lt"/>
+                <a:ea typeface="+mn-ea"/>
+                <a:cs typeface="+mn-cs"/>
+              </a:defRPr>
+            </a:lvl8pPr>
+            <a:lvl9pPr marL="3886200" indent="-228600" algn="l" defTabSz="914400" rtl="0" eaLnBrk="1" latinLnBrk="0" hangingPunct="1">
+              <a:spcBef>
+                <a:spcPct val="20000"/>
+              </a:spcBef>
+              <a:buFont typeface="Arial" pitchFamily="34" charset="0"/>
+              <a:buChar char="•"/>
+              <a:defRPr sz="2000" kern="1200">
+                <a:solidFill>
+                  <a:schemeClr val="tx1"/>
+                </a:solidFill>
+                <a:latin typeface="+mn-lt"/>
+                <a:ea typeface="+mn-ea"/>
+                <a:cs typeface="+mn-cs"/>
+              </a:defRPr>
+            </a:lvl9pPr>
+          </a:lstStyle>
+          <a:p>
+            <a:pPr marL="0" indent="0">
+              <a:buNone/>
+            </a:pPr>
+            <a:r>
+              <a:rPr lang="en-GB" sz="4800" dirty="0">
+                <a:solidFill>
+                  <a:schemeClr val="bg1"/>
+                </a:solidFill>
+              </a:rPr>
+              <a:t>15</a:t>
+            </a:r>
+            <a:r>
+              <a:rPr lang="en-GB" sz="4800" baseline="30000" dirty="0">
+                <a:solidFill>
+                  <a:schemeClr val="bg1"/>
+                </a:solidFill>
+              </a:rPr>
+              <a:t>th</a:t>
+            </a:r>
+            <a:r>
+              <a:rPr lang="en-GB" sz="4800" dirty="0">
+                <a:solidFill>
+                  <a:schemeClr val="bg1"/>
+                </a:solidFill>
+              </a:rPr>
+              <a:t> Oct</a:t>
             </a:r>
           </a:p>
         </p:txBody>
@@ -7628,957 +7378,7 @@
     </p:spTree>
     <p:extLst>
       <p:ext uri="{BB962C8B-B14F-4D97-AF65-F5344CB8AC3E}">
-        <p14:creationId xmlns:p14="http://schemas.microsoft.com/office/powerpoint/2010/main" val="3925966766"/>
-      </p:ext>
-    </p:extLst>
-  </p:cSld>
-  <p:clrMapOvr>
-    <a:masterClrMapping/>
-  </p:clrMapOvr>
-</p:sld>
-</file>
-
-<file path=ppt/slides/slide34.xml><?xml version="1.0" encoding="utf-8"?>
-<p:sld xmlns:a="http://schemas.openxmlformats.org/drawingml/2006/main" xmlns:r="http://schemas.openxmlformats.org/officeDocument/2006/relationships" xmlns:p="http://schemas.openxmlformats.org/presentationml/2006/main">
-  <p:cSld>
-    <p:spTree>
-      <p:nvGrpSpPr>
-        <p:cNvPr id="1" name=""/>
-        <p:cNvGrpSpPr/>
-        <p:nvPr/>
-      </p:nvGrpSpPr>
-      <p:grpSpPr>
-        <a:xfrm>
-          <a:off x="0" y="0"/>
-          <a:ext cx="0" cy="0"/>
-          <a:chOff x="0" y="0"/>
-          <a:chExt cx="0" cy="0"/>
-        </a:xfrm>
-      </p:grpSpPr>
-      <p:sp>
-        <p:nvSpPr>
-          <p:cNvPr id="3" name="Subtitle 2"/>
-          <p:cNvSpPr>
-            <a:spLocks noGrp="1"/>
-          </p:cNvSpPr>
-          <p:nvPr>
-            <p:ph type="subTitle" idx="1"/>
-          </p:nvPr>
-        </p:nvSpPr>
-        <p:spPr>
-          <a:xfrm>
-            <a:off x="323528" y="188640"/>
-            <a:ext cx="8640960" cy="6480720"/>
-          </a:xfrm>
-        </p:spPr>
-        <p:txBody>
-          <a:bodyPr>
-            <a:noAutofit/>
-          </a:bodyPr>
-          <a:lstStyle/>
-          <a:p>
-            <a:r>
-              <a:rPr lang="en-GB" sz="4000" dirty="0">
-                <a:solidFill>
-                  <a:schemeClr val="bg1"/>
-                </a:solidFill>
-              </a:rPr>
-              <a:t>Move the immovable</a:t>
-            </a:r>
-          </a:p>
-          <a:p>
-            <a:r>
-              <a:rPr lang="en-GB" sz="4000" dirty="0">
-                <a:solidFill>
-                  <a:schemeClr val="bg1"/>
-                </a:solidFill>
-              </a:rPr>
-              <a:t>Break the unbreakable</a:t>
-            </a:r>
-          </a:p>
-          <a:p>
-            <a:r>
-              <a:rPr lang="en-GB" sz="4000" dirty="0">
-                <a:solidFill>
-                  <a:schemeClr val="bg1"/>
-                </a:solidFill>
-              </a:rPr>
-              <a:t>God we believe</a:t>
-            </a:r>
-          </a:p>
-          <a:p>
-            <a:r>
-              <a:rPr lang="en-GB" sz="4000" dirty="0">
-                <a:solidFill>
-                  <a:schemeClr val="bg1"/>
-                </a:solidFill>
-              </a:rPr>
-              <a:t>God we believe for it</a:t>
-            </a:r>
-          </a:p>
-          <a:p>
-            <a:endParaRPr lang="en-GB" sz="4000" dirty="0">
-              <a:solidFill>
-                <a:schemeClr val="bg1"/>
-              </a:solidFill>
-            </a:endParaRPr>
-          </a:p>
-          <a:p>
-            <a:r>
-              <a:rPr lang="en-GB" sz="4000" dirty="0">
-                <a:solidFill>
-                  <a:schemeClr val="bg1"/>
-                </a:solidFill>
-              </a:rPr>
-              <a:t>From the impossible</a:t>
-            </a:r>
-          </a:p>
-          <a:p>
-            <a:r>
-              <a:rPr lang="en-GB" sz="4000" dirty="0">
-                <a:solidFill>
-                  <a:schemeClr val="bg1"/>
-                </a:solidFill>
-              </a:rPr>
-              <a:t>We'll see a miracle</a:t>
-            </a:r>
-          </a:p>
-          <a:p>
-            <a:r>
-              <a:rPr lang="en-GB" sz="4000" dirty="0">
-                <a:solidFill>
-                  <a:schemeClr val="bg1"/>
-                </a:solidFill>
-              </a:rPr>
-              <a:t>God we believe</a:t>
-            </a:r>
-          </a:p>
-          <a:p>
-            <a:r>
-              <a:rPr lang="en-GB" sz="4000" dirty="0">
-                <a:solidFill>
-                  <a:schemeClr val="bg1"/>
-                </a:solidFill>
-              </a:rPr>
-              <a:t>God we believe for it</a:t>
-            </a:r>
-          </a:p>
-        </p:txBody>
-      </p:sp>
-      <p:sp>
-        <p:nvSpPr>
-          <p:cNvPr id="4" name="TextBox 3"/>
-          <p:cNvSpPr txBox="1"/>
-          <p:nvPr/>
-        </p:nvSpPr>
-        <p:spPr>
-          <a:xfrm>
-            <a:off x="8529729" y="0"/>
-            <a:ext cx="628698" cy="461665"/>
-          </a:xfrm>
-          <a:prstGeom prst="rect">
-            <a:avLst/>
-          </a:prstGeom>
-          <a:noFill/>
-        </p:spPr>
-        <p:txBody>
-          <a:bodyPr wrap="none" rtlCol="0">
-            <a:spAutoFit/>
-          </a:bodyPr>
-          <a:lstStyle/>
-          <a:p>
-            <a:r>
-              <a:rPr lang="en-GB" sz="2400" b="1" dirty="0">
-                <a:solidFill>
-                  <a:schemeClr val="bg1"/>
-                </a:solidFill>
-              </a:rPr>
-              <a:t>3/6</a:t>
-            </a:r>
-          </a:p>
-        </p:txBody>
-      </p:sp>
-    </p:spTree>
-    <p:extLst>
-      <p:ext uri="{BB962C8B-B14F-4D97-AF65-F5344CB8AC3E}">
-        <p14:creationId xmlns:p14="http://schemas.microsoft.com/office/powerpoint/2010/main" val="2689669636"/>
-      </p:ext>
-    </p:extLst>
-  </p:cSld>
-  <p:clrMapOvr>
-    <a:masterClrMapping/>
-  </p:clrMapOvr>
-</p:sld>
-</file>
-
-<file path=ppt/slides/slide35.xml><?xml version="1.0" encoding="utf-8"?>
-<p:sld xmlns:a="http://schemas.openxmlformats.org/drawingml/2006/main" xmlns:r="http://schemas.openxmlformats.org/officeDocument/2006/relationships" xmlns:p="http://schemas.openxmlformats.org/presentationml/2006/main">
-  <p:cSld>
-    <p:spTree>
-      <p:nvGrpSpPr>
-        <p:cNvPr id="1" name=""/>
-        <p:cNvGrpSpPr/>
-        <p:nvPr/>
-      </p:nvGrpSpPr>
-      <p:grpSpPr>
-        <a:xfrm>
-          <a:off x="0" y="0"/>
-          <a:ext cx="0" cy="0"/>
-          <a:chOff x="0" y="0"/>
-          <a:chExt cx="0" cy="0"/>
-        </a:xfrm>
-      </p:grpSpPr>
-      <p:sp>
-        <p:nvSpPr>
-          <p:cNvPr id="3" name="Subtitle 2"/>
-          <p:cNvSpPr>
-            <a:spLocks noGrp="1"/>
-          </p:cNvSpPr>
-          <p:nvPr>
-            <p:ph type="subTitle" idx="1"/>
-          </p:nvPr>
-        </p:nvSpPr>
-        <p:spPr>
-          <a:xfrm>
-            <a:off x="323528" y="188640"/>
-            <a:ext cx="8640960" cy="6480720"/>
-          </a:xfrm>
-        </p:spPr>
-        <p:txBody>
-          <a:bodyPr>
-            <a:noAutofit/>
-          </a:bodyPr>
-          <a:lstStyle/>
-          <a:p>
-            <a:r>
-              <a:rPr lang="en-GB" sz="4000" dirty="0">
-                <a:solidFill>
-                  <a:schemeClr val="bg1"/>
-                </a:solidFill>
-              </a:rPr>
-              <a:t>We know that hope is never lost</a:t>
-            </a:r>
-          </a:p>
-          <a:p>
-            <a:r>
-              <a:rPr lang="en-GB" sz="4000" dirty="0">
-                <a:solidFill>
-                  <a:schemeClr val="bg1"/>
-                </a:solidFill>
-              </a:rPr>
-              <a:t>Oh for there is still an empty grave</a:t>
-            </a:r>
-          </a:p>
-          <a:p>
-            <a:r>
-              <a:rPr lang="en-GB" sz="4000" dirty="0">
-                <a:solidFill>
-                  <a:schemeClr val="bg1"/>
-                </a:solidFill>
-              </a:rPr>
-              <a:t>God we believe no matter what</a:t>
-            </a:r>
-          </a:p>
-          <a:p>
-            <a:r>
-              <a:rPr lang="en-GB" sz="4000" dirty="0">
-                <a:solidFill>
-                  <a:schemeClr val="bg1"/>
-                </a:solidFill>
-              </a:rPr>
-              <a:t>There is power in Your name</a:t>
-            </a:r>
-          </a:p>
-          <a:p>
-            <a:r>
-              <a:rPr lang="en-GB" sz="4000" dirty="0">
-                <a:solidFill>
-                  <a:schemeClr val="bg1"/>
-                </a:solidFill>
-              </a:rPr>
-              <a:t>So much power in Your name</a:t>
-            </a:r>
-          </a:p>
-        </p:txBody>
-      </p:sp>
-      <p:sp>
-        <p:nvSpPr>
-          <p:cNvPr id="4" name="TextBox 3"/>
-          <p:cNvSpPr txBox="1"/>
-          <p:nvPr/>
-        </p:nvSpPr>
-        <p:spPr>
-          <a:xfrm>
-            <a:off x="8529729" y="0"/>
-            <a:ext cx="628698" cy="461665"/>
-          </a:xfrm>
-          <a:prstGeom prst="rect">
-            <a:avLst/>
-          </a:prstGeom>
-          <a:noFill/>
-        </p:spPr>
-        <p:txBody>
-          <a:bodyPr wrap="none" rtlCol="0">
-            <a:spAutoFit/>
-          </a:bodyPr>
-          <a:lstStyle/>
-          <a:p>
-            <a:r>
-              <a:rPr lang="en-GB" sz="2400" b="1" dirty="0">
-                <a:solidFill>
-                  <a:schemeClr val="bg1"/>
-                </a:solidFill>
-              </a:rPr>
-              <a:t>4/6</a:t>
-            </a:r>
-          </a:p>
-        </p:txBody>
-      </p:sp>
-    </p:spTree>
-    <p:extLst>
-      <p:ext uri="{BB962C8B-B14F-4D97-AF65-F5344CB8AC3E}">
-        <p14:creationId xmlns:p14="http://schemas.microsoft.com/office/powerpoint/2010/main" val="2520932766"/>
-      </p:ext>
-    </p:extLst>
-  </p:cSld>
-  <p:clrMapOvr>
-    <a:masterClrMapping/>
-  </p:clrMapOvr>
-</p:sld>
-</file>
-
-<file path=ppt/slides/slide36.xml><?xml version="1.0" encoding="utf-8"?>
-<p:sld xmlns:a="http://schemas.openxmlformats.org/drawingml/2006/main" xmlns:r="http://schemas.openxmlformats.org/officeDocument/2006/relationships" xmlns:p="http://schemas.openxmlformats.org/presentationml/2006/main">
-  <p:cSld>
-    <p:spTree>
-      <p:nvGrpSpPr>
-        <p:cNvPr id="1" name=""/>
-        <p:cNvGrpSpPr/>
-        <p:nvPr/>
-      </p:nvGrpSpPr>
-      <p:grpSpPr>
-        <a:xfrm>
-          <a:off x="0" y="0"/>
-          <a:ext cx="0" cy="0"/>
-          <a:chOff x="0" y="0"/>
-          <a:chExt cx="0" cy="0"/>
-        </a:xfrm>
-      </p:grpSpPr>
-      <p:sp>
-        <p:nvSpPr>
-          <p:cNvPr id="3" name="Subtitle 2"/>
-          <p:cNvSpPr>
-            <a:spLocks noGrp="1"/>
-          </p:cNvSpPr>
-          <p:nvPr>
-            <p:ph type="subTitle" idx="1"/>
-          </p:nvPr>
-        </p:nvSpPr>
-        <p:spPr>
-          <a:xfrm>
-            <a:off x="323528" y="188640"/>
-            <a:ext cx="8640960" cy="6480720"/>
-          </a:xfrm>
-        </p:spPr>
-        <p:txBody>
-          <a:bodyPr>
-            <a:noAutofit/>
-          </a:bodyPr>
-          <a:lstStyle/>
-          <a:p>
-            <a:r>
-              <a:rPr lang="en-GB" sz="4000" dirty="0">
-                <a:solidFill>
-                  <a:schemeClr val="bg1"/>
-                </a:solidFill>
-              </a:rPr>
-              <a:t>You are the way when there seems to be no way</a:t>
-            </a:r>
-          </a:p>
-          <a:p>
-            <a:r>
-              <a:rPr lang="en-GB" sz="4000" dirty="0">
-                <a:solidFill>
-                  <a:schemeClr val="bg1"/>
-                </a:solidFill>
-              </a:rPr>
-              <a:t>We trust in You God You have the final say</a:t>
-            </a:r>
-          </a:p>
-        </p:txBody>
-      </p:sp>
-      <p:sp>
-        <p:nvSpPr>
-          <p:cNvPr id="4" name="TextBox 3"/>
-          <p:cNvSpPr txBox="1"/>
-          <p:nvPr/>
-        </p:nvSpPr>
-        <p:spPr>
-          <a:xfrm>
-            <a:off x="8529729" y="0"/>
-            <a:ext cx="628698" cy="461665"/>
-          </a:xfrm>
-          <a:prstGeom prst="rect">
-            <a:avLst/>
-          </a:prstGeom>
-          <a:noFill/>
-        </p:spPr>
-        <p:txBody>
-          <a:bodyPr wrap="none" rtlCol="0">
-            <a:spAutoFit/>
-          </a:bodyPr>
-          <a:lstStyle/>
-          <a:p>
-            <a:r>
-              <a:rPr lang="en-GB" sz="2400" b="1" dirty="0">
-                <a:solidFill>
-                  <a:schemeClr val="bg1"/>
-                </a:solidFill>
-              </a:rPr>
-              <a:t>5/6</a:t>
-            </a:r>
-          </a:p>
-        </p:txBody>
-      </p:sp>
-    </p:spTree>
-    <p:extLst>
-      <p:ext uri="{BB962C8B-B14F-4D97-AF65-F5344CB8AC3E}">
-        <p14:creationId xmlns:p14="http://schemas.microsoft.com/office/powerpoint/2010/main" val="1101430297"/>
-      </p:ext>
-    </p:extLst>
-  </p:cSld>
-  <p:clrMapOvr>
-    <a:masterClrMapping/>
-  </p:clrMapOvr>
-</p:sld>
-</file>
-
-<file path=ppt/slides/slide37.xml><?xml version="1.0" encoding="utf-8"?>
-<p:sld xmlns:a="http://schemas.openxmlformats.org/drawingml/2006/main" xmlns:r="http://schemas.openxmlformats.org/officeDocument/2006/relationships" xmlns:p="http://schemas.openxmlformats.org/presentationml/2006/main">
-  <p:cSld>
-    <p:spTree>
-      <p:nvGrpSpPr>
-        <p:cNvPr id="1" name=""/>
-        <p:cNvGrpSpPr/>
-        <p:nvPr/>
-      </p:nvGrpSpPr>
-      <p:grpSpPr>
-        <a:xfrm>
-          <a:off x="0" y="0"/>
-          <a:ext cx="0" cy="0"/>
-          <a:chOff x="0" y="0"/>
-          <a:chExt cx="0" cy="0"/>
-        </a:xfrm>
-      </p:grpSpPr>
-      <p:sp>
-        <p:nvSpPr>
-          <p:cNvPr id="3" name="Subtitle 2"/>
-          <p:cNvSpPr>
-            <a:spLocks noGrp="1"/>
-          </p:cNvSpPr>
-          <p:nvPr>
-            <p:ph type="subTitle" idx="1"/>
-          </p:nvPr>
-        </p:nvSpPr>
-        <p:spPr>
-          <a:xfrm>
-            <a:off x="323528" y="188640"/>
-            <a:ext cx="8640960" cy="6480720"/>
-          </a:xfrm>
-        </p:spPr>
-        <p:txBody>
-          <a:bodyPr>
-            <a:noAutofit/>
-          </a:bodyPr>
-          <a:lstStyle/>
-          <a:p>
-            <a:r>
-              <a:rPr lang="en-GB" sz="4000" dirty="0">
-                <a:solidFill>
-                  <a:schemeClr val="bg1"/>
-                </a:solidFill>
-              </a:rPr>
-              <a:t>You said it</a:t>
-            </a:r>
-          </a:p>
-          <a:p>
-            <a:r>
-              <a:rPr lang="en-GB" sz="4000" dirty="0">
-                <a:solidFill>
-                  <a:schemeClr val="bg1"/>
-                </a:solidFill>
-              </a:rPr>
-              <a:t>I believe it</a:t>
-            </a:r>
-          </a:p>
-          <a:p>
-            <a:r>
-              <a:rPr lang="en-GB" sz="4000" dirty="0">
-                <a:solidFill>
-                  <a:schemeClr val="bg1"/>
-                </a:solidFill>
-              </a:rPr>
-              <a:t>You said it</a:t>
-            </a:r>
-          </a:p>
-          <a:p>
-            <a:r>
-              <a:rPr lang="en-GB" sz="4000" dirty="0">
-                <a:solidFill>
-                  <a:schemeClr val="bg1"/>
-                </a:solidFill>
-              </a:rPr>
-              <a:t>It is done</a:t>
-            </a:r>
-          </a:p>
-        </p:txBody>
-      </p:sp>
-      <p:sp>
-        <p:nvSpPr>
-          <p:cNvPr id="4" name="TextBox 3"/>
-          <p:cNvSpPr txBox="1"/>
-          <p:nvPr/>
-        </p:nvSpPr>
-        <p:spPr>
-          <a:xfrm>
-            <a:off x="8529729" y="0"/>
-            <a:ext cx="628698" cy="461665"/>
-          </a:xfrm>
-          <a:prstGeom prst="rect">
-            <a:avLst/>
-          </a:prstGeom>
-          <a:noFill/>
-        </p:spPr>
-        <p:txBody>
-          <a:bodyPr wrap="none" rtlCol="0">
-            <a:spAutoFit/>
-          </a:bodyPr>
-          <a:lstStyle/>
-          <a:p>
-            <a:r>
-              <a:rPr lang="en-GB" sz="2400" b="1" dirty="0">
-                <a:solidFill>
-                  <a:schemeClr val="bg1"/>
-                </a:solidFill>
-              </a:rPr>
-              <a:t>6/6</a:t>
-            </a:r>
-          </a:p>
-        </p:txBody>
-      </p:sp>
-    </p:spTree>
-    <p:extLst>
-      <p:ext uri="{BB962C8B-B14F-4D97-AF65-F5344CB8AC3E}">
-        <p14:creationId xmlns:p14="http://schemas.microsoft.com/office/powerpoint/2010/main" val="1156251292"/>
-      </p:ext>
-    </p:extLst>
-  </p:cSld>
-  <p:clrMapOvr>
-    <a:masterClrMapping/>
-  </p:clrMapOvr>
-</p:sld>
-</file>
-
-<file path=ppt/slides/slide38.xml><?xml version="1.0" encoding="utf-8"?>
-<p:sld xmlns:a="http://schemas.openxmlformats.org/drawingml/2006/main" xmlns:r="http://schemas.openxmlformats.org/officeDocument/2006/relationships" xmlns:p="http://schemas.openxmlformats.org/presentationml/2006/main">
-  <p:cSld>
-    <p:spTree>
-      <p:nvGrpSpPr>
-        <p:cNvPr id="1" name=""/>
-        <p:cNvGrpSpPr/>
-        <p:nvPr/>
-      </p:nvGrpSpPr>
-      <p:grpSpPr>
-        <a:xfrm>
-          <a:off x="0" y="0"/>
-          <a:ext cx="0" cy="0"/>
-          <a:chOff x="0" y="0"/>
-          <a:chExt cx="0" cy="0"/>
-        </a:xfrm>
-      </p:grpSpPr>
-      <p:sp>
-        <p:nvSpPr>
-          <p:cNvPr id="3" name="Subtitle 2"/>
-          <p:cNvSpPr>
-            <a:spLocks noGrp="1"/>
-          </p:cNvSpPr>
-          <p:nvPr>
-            <p:ph type="subTitle" idx="1"/>
-          </p:nvPr>
-        </p:nvSpPr>
-        <p:spPr>
-          <a:xfrm>
-            <a:off x="323528" y="188640"/>
-            <a:ext cx="8640960" cy="6480720"/>
-          </a:xfrm>
-        </p:spPr>
-        <p:txBody>
-          <a:bodyPr>
-            <a:noAutofit/>
-          </a:bodyPr>
-          <a:lstStyle/>
-          <a:p>
-            <a:endParaRPr lang="en-GB" sz="5400" dirty="0">
-              <a:solidFill>
-                <a:schemeClr val="bg1"/>
-              </a:solidFill>
-            </a:endParaRPr>
-          </a:p>
-          <a:p>
-            <a:r>
-              <a:rPr lang="en-GB" sz="6600" b="0" i="0" dirty="0">
-                <a:solidFill>
-                  <a:srgbClr val="00A3E0"/>
-                </a:solidFill>
-                <a:effectLst/>
-                <a:latin typeface="akagi_probook"/>
-              </a:rPr>
-              <a:t>Firm Foundation </a:t>
-            </a:r>
-            <a:br>
-              <a:rPr lang="en-GB" sz="6600" b="0" i="0" dirty="0">
-                <a:solidFill>
-                  <a:srgbClr val="00A3E0"/>
-                </a:solidFill>
-                <a:effectLst/>
-                <a:latin typeface="akagi_probook"/>
-              </a:rPr>
-            </a:br>
-            <a:r>
-              <a:rPr lang="en-GB" sz="6600" b="0" i="0" dirty="0">
-                <a:solidFill>
-                  <a:srgbClr val="00A3E0"/>
-                </a:solidFill>
-                <a:effectLst/>
-                <a:latin typeface="akagi_probook"/>
-              </a:rPr>
-              <a:t>(He Won't)</a:t>
-            </a:r>
-          </a:p>
-          <a:p>
-            <a:br>
-              <a:rPr lang="en-GB" sz="1200" dirty="0">
-                <a:solidFill>
-                  <a:schemeClr val="bg1"/>
-                </a:solidFill>
-              </a:rPr>
-            </a:br>
-            <a:r>
-              <a:rPr lang="en-GB" sz="1200" dirty="0">
-                <a:solidFill>
-                  <a:schemeClr val="bg1"/>
-                </a:solidFill>
-              </a:rPr>
-              <a:t>CCLI Song # 7188203</a:t>
-            </a:r>
-          </a:p>
-          <a:p>
-            <a:endParaRPr lang="en-GB" sz="1200" dirty="0">
-              <a:solidFill>
-                <a:schemeClr val="bg1"/>
-              </a:solidFill>
-            </a:endParaRPr>
-          </a:p>
-          <a:p>
-            <a:r>
-              <a:rPr lang="en-GB" sz="1200" dirty="0">
-                <a:solidFill>
-                  <a:schemeClr val="bg1"/>
-                </a:solidFill>
-              </a:rPr>
-              <a:t>Austin Davis | Chandler Moore | Cody Carnes</a:t>
-            </a:r>
-          </a:p>
-          <a:p>
-            <a:endParaRPr lang="en-GB" sz="1200" dirty="0">
-              <a:solidFill>
-                <a:schemeClr val="bg1"/>
-              </a:solidFill>
-            </a:endParaRPr>
-          </a:p>
-          <a:p>
-            <a:r>
-              <a:rPr lang="en-GB" sz="1200" dirty="0">
-                <a:solidFill>
-                  <a:schemeClr val="bg1"/>
-                </a:solidFill>
-              </a:rPr>
-              <a:t>© 2021 For Humans Publishing (Admin by Essential Music Publishing)</a:t>
-            </a:r>
-          </a:p>
-          <a:p>
-            <a:r>
-              <a:rPr lang="en-GB" sz="1200" dirty="0">
-                <a:solidFill>
-                  <a:schemeClr val="bg1"/>
-                </a:solidFill>
-              </a:rPr>
-              <a:t>Maverick City Publishing (Admin by Essential Music Publishing)</a:t>
-            </a:r>
-          </a:p>
-          <a:p>
-            <a:r>
-              <a:rPr lang="en-GB" sz="1200" dirty="0">
-                <a:solidFill>
-                  <a:schemeClr val="bg1"/>
-                </a:solidFill>
-              </a:rPr>
-              <a:t>Capitol CMG Paragon (Admin. by Capitol CMG Publishing)</a:t>
-            </a:r>
-          </a:p>
-          <a:p>
-            <a:r>
-              <a:rPr lang="en-GB" sz="1200" dirty="0">
-                <a:solidFill>
-                  <a:schemeClr val="bg1"/>
-                </a:solidFill>
-              </a:rPr>
-              <a:t>TBCO Publishing (Admin. by Capitol CMG Publishing)</a:t>
-            </a:r>
-          </a:p>
-          <a:p>
-            <a:r>
-              <a:rPr lang="en-GB" sz="1200" dirty="0">
-                <a:solidFill>
-                  <a:schemeClr val="bg1"/>
-                </a:solidFill>
-              </a:rPr>
-              <a:t>Writer's Roof Publishing (Admin. by Capitol CMG Publishing)</a:t>
-            </a:r>
-          </a:p>
-          <a:p>
-            <a:r>
-              <a:rPr lang="en-GB" sz="1200" dirty="0">
-                <a:solidFill>
-                  <a:schemeClr val="bg1"/>
-                </a:solidFill>
-              </a:rPr>
-              <a:t>A.L.K.D. Music (Admin. by Watershed Music Group (Admin. by Capitol CMG Publishing))</a:t>
-            </a:r>
-          </a:p>
-          <a:p>
-            <a:r>
-              <a:rPr lang="en-GB" sz="1200" dirty="0">
-                <a:solidFill>
-                  <a:schemeClr val="bg1"/>
-                </a:solidFill>
-              </a:rPr>
-              <a:t>For use solely with the </a:t>
-            </a:r>
-            <a:r>
-              <a:rPr lang="en-GB" sz="1200" dirty="0" err="1">
-                <a:solidFill>
-                  <a:schemeClr val="bg1"/>
-                </a:solidFill>
-              </a:rPr>
-              <a:t>SongSelect</a:t>
-            </a:r>
-            <a:r>
-              <a:rPr lang="en-GB" sz="1200" dirty="0">
-                <a:solidFill>
-                  <a:schemeClr val="bg1"/>
-                </a:solidFill>
-              </a:rPr>
-              <a:t>® Terms of Use. All rights reserved. www.ccli.com</a:t>
-            </a:r>
-          </a:p>
-          <a:p>
-            <a:endParaRPr lang="en-GB" sz="1200" dirty="0">
-              <a:solidFill>
-                <a:schemeClr val="bg1"/>
-              </a:solidFill>
-            </a:endParaRPr>
-          </a:p>
-          <a:p>
-            <a:r>
-              <a:rPr lang="en-GB" sz="1200" dirty="0">
-                <a:solidFill>
-                  <a:schemeClr val="bg1"/>
-                </a:solidFill>
-              </a:rPr>
-              <a:t>CCLI Licence No. 33265</a:t>
-            </a:r>
-          </a:p>
-        </p:txBody>
-      </p:sp>
-    </p:spTree>
-    <p:extLst>
-      <p:ext uri="{BB962C8B-B14F-4D97-AF65-F5344CB8AC3E}">
-        <p14:creationId xmlns:p14="http://schemas.microsoft.com/office/powerpoint/2010/main" val="1141057996"/>
-      </p:ext>
-    </p:extLst>
-  </p:cSld>
-  <p:clrMapOvr>
-    <a:masterClrMapping/>
-  </p:clrMapOvr>
-</p:sld>
-</file>
-
-<file path=ppt/slides/slide39.xml><?xml version="1.0" encoding="utf-8"?>
-<p:sld xmlns:a="http://schemas.openxmlformats.org/drawingml/2006/main" xmlns:r="http://schemas.openxmlformats.org/officeDocument/2006/relationships" xmlns:p="http://schemas.openxmlformats.org/presentationml/2006/main">
-  <p:cSld>
-    <p:spTree>
-      <p:nvGrpSpPr>
-        <p:cNvPr id="1" name=""/>
-        <p:cNvGrpSpPr/>
-        <p:nvPr/>
-      </p:nvGrpSpPr>
-      <p:grpSpPr>
-        <a:xfrm>
-          <a:off x="0" y="0"/>
-          <a:ext cx="0" cy="0"/>
-          <a:chOff x="0" y="0"/>
-          <a:chExt cx="0" cy="0"/>
-        </a:xfrm>
-      </p:grpSpPr>
-      <p:sp>
-        <p:nvSpPr>
-          <p:cNvPr id="3" name="Subtitle 2"/>
-          <p:cNvSpPr>
-            <a:spLocks noGrp="1"/>
-          </p:cNvSpPr>
-          <p:nvPr>
-            <p:ph type="subTitle" idx="1"/>
-          </p:nvPr>
-        </p:nvSpPr>
-        <p:spPr>
-          <a:xfrm>
-            <a:off x="323528" y="188640"/>
-            <a:ext cx="8640960" cy="6480720"/>
-          </a:xfrm>
-        </p:spPr>
-        <p:txBody>
-          <a:bodyPr>
-            <a:noAutofit/>
-          </a:bodyPr>
-          <a:lstStyle/>
-          <a:p>
-            <a:r>
-              <a:rPr lang="en-GB" sz="4000" dirty="0">
-                <a:solidFill>
-                  <a:schemeClr val="bg1"/>
-                </a:solidFill>
-              </a:rPr>
-              <a:t>Christ is my firm foundation</a:t>
-            </a:r>
-          </a:p>
-          <a:p>
-            <a:r>
-              <a:rPr lang="en-GB" sz="4000" dirty="0">
-                <a:solidFill>
-                  <a:schemeClr val="bg1"/>
-                </a:solidFill>
-              </a:rPr>
-              <a:t>The rock on which I stand</a:t>
-            </a:r>
-          </a:p>
-          <a:p>
-            <a:r>
-              <a:rPr lang="en-GB" sz="4000" dirty="0">
-                <a:solidFill>
-                  <a:schemeClr val="bg1"/>
-                </a:solidFill>
-              </a:rPr>
-              <a:t>When everything around me is shaken</a:t>
-            </a:r>
-          </a:p>
-          <a:p>
-            <a:r>
-              <a:rPr lang="en-GB" sz="4000" dirty="0">
-                <a:solidFill>
-                  <a:schemeClr val="bg1"/>
-                </a:solidFill>
-              </a:rPr>
-              <a:t>I've never been more glad</a:t>
-            </a:r>
-          </a:p>
-          <a:p>
-            <a:r>
-              <a:rPr lang="en-GB" sz="4000" dirty="0">
-                <a:solidFill>
-                  <a:schemeClr val="bg1"/>
-                </a:solidFill>
-              </a:rPr>
-              <a:t>That I put my faith in Jesus</a:t>
-            </a:r>
-          </a:p>
-          <a:p>
-            <a:r>
-              <a:rPr lang="en-GB" sz="4000" dirty="0" err="1">
-                <a:solidFill>
-                  <a:schemeClr val="bg1"/>
-                </a:solidFill>
-              </a:rPr>
-              <a:t>'Cause</a:t>
-            </a:r>
-            <a:r>
-              <a:rPr lang="en-GB" sz="4000" dirty="0">
-                <a:solidFill>
-                  <a:schemeClr val="bg1"/>
-                </a:solidFill>
-              </a:rPr>
-              <a:t> He's never let me down</a:t>
-            </a:r>
-          </a:p>
-          <a:p>
-            <a:r>
-              <a:rPr lang="en-GB" sz="4000" dirty="0">
-                <a:solidFill>
-                  <a:schemeClr val="bg1"/>
-                </a:solidFill>
-              </a:rPr>
-              <a:t>He's faithful through generations</a:t>
-            </a:r>
-          </a:p>
-          <a:p>
-            <a:r>
-              <a:rPr lang="en-GB" sz="4000" dirty="0">
-                <a:solidFill>
-                  <a:schemeClr val="bg1"/>
-                </a:solidFill>
-              </a:rPr>
-              <a:t>So why would He fail now</a:t>
-            </a:r>
-          </a:p>
-        </p:txBody>
-      </p:sp>
-      <p:sp>
-        <p:nvSpPr>
-          <p:cNvPr id="4" name="TextBox 3"/>
-          <p:cNvSpPr txBox="1"/>
-          <p:nvPr/>
-        </p:nvSpPr>
-        <p:spPr>
-          <a:xfrm>
-            <a:off x="8529729" y="0"/>
-            <a:ext cx="628698" cy="461665"/>
-          </a:xfrm>
-          <a:prstGeom prst="rect">
-            <a:avLst/>
-          </a:prstGeom>
-          <a:noFill/>
-        </p:spPr>
-        <p:txBody>
-          <a:bodyPr wrap="none" rtlCol="0">
-            <a:spAutoFit/>
-          </a:bodyPr>
-          <a:lstStyle/>
-          <a:p>
-            <a:r>
-              <a:rPr lang="en-GB" sz="2400" b="1" dirty="0">
-                <a:solidFill>
-                  <a:schemeClr val="bg1"/>
-                </a:solidFill>
-              </a:rPr>
-              <a:t>1/5</a:t>
-            </a:r>
-          </a:p>
-        </p:txBody>
-      </p:sp>
-    </p:spTree>
-    <p:extLst>
-      <p:ext uri="{BB962C8B-B14F-4D97-AF65-F5344CB8AC3E}">
-        <p14:creationId xmlns:p14="http://schemas.microsoft.com/office/powerpoint/2010/main" val="3477359480"/>
+        <p14:creationId xmlns:p14="http://schemas.microsoft.com/office/powerpoint/2010/main" val="619883435"/>
       </p:ext>
     </p:extLst>
   </p:cSld>
@@ -8717,550 +7517,6 @@
     <p:extLst>
       <p:ext uri="{BB962C8B-B14F-4D97-AF65-F5344CB8AC3E}">
         <p14:creationId xmlns:p14="http://schemas.microsoft.com/office/powerpoint/2010/main" val="792705877"/>
-      </p:ext>
-    </p:extLst>
-  </p:cSld>
-  <p:clrMapOvr>
-    <a:masterClrMapping/>
-  </p:clrMapOvr>
-</p:sld>
-</file>
-
-<file path=ppt/slides/slide40.xml><?xml version="1.0" encoding="utf-8"?>
-<p:sld xmlns:a="http://schemas.openxmlformats.org/drawingml/2006/main" xmlns:r="http://schemas.openxmlformats.org/officeDocument/2006/relationships" xmlns:p="http://schemas.openxmlformats.org/presentationml/2006/main">
-  <p:cSld>
-    <p:spTree>
-      <p:nvGrpSpPr>
-        <p:cNvPr id="1" name=""/>
-        <p:cNvGrpSpPr/>
-        <p:nvPr/>
-      </p:nvGrpSpPr>
-      <p:grpSpPr>
-        <a:xfrm>
-          <a:off x="0" y="0"/>
-          <a:ext cx="0" cy="0"/>
-          <a:chOff x="0" y="0"/>
-          <a:chExt cx="0" cy="0"/>
-        </a:xfrm>
-      </p:grpSpPr>
-      <p:sp>
-        <p:nvSpPr>
-          <p:cNvPr id="3" name="Subtitle 2"/>
-          <p:cNvSpPr>
-            <a:spLocks noGrp="1"/>
-          </p:cNvSpPr>
-          <p:nvPr>
-            <p:ph type="subTitle" idx="1"/>
-          </p:nvPr>
-        </p:nvSpPr>
-        <p:spPr>
-          <a:xfrm>
-            <a:off x="323528" y="188640"/>
-            <a:ext cx="8640960" cy="6480720"/>
-          </a:xfrm>
-        </p:spPr>
-        <p:txBody>
-          <a:bodyPr>
-            <a:noAutofit/>
-          </a:bodyPr>
-          <a:lstStyle/>
-          <a:p>
-            <a:r>
-              <a:rPr lang="en-GB" sz="4000" dirty="0">
-                <a:solidFill>
-                  <a:schemeClr val="bg1"/>
-                </a:solidFill>
-              </a:rPr>
-              <a:t>He won’t</a:t>
-            </a:r>
-          </a:p>
-          <a:p>
-            <a:r>
-              <a:rPr lang="en-GB" sz="4000" dirty="0">
-                <a:solidFill>
-                  <a:schemeClr val="bg1"/>
-                </a:solidFill>
-              </a:rPr>
-              <a:t>He won't</a:t>
-            </a:r>
-          </a:p>
-          <a:p>
-            <a:endParaRPr lang="en-GB" sz="4000" dirty="0">
-              <a:solidFill>
-                <a:schemeClr val="bg1"/>
-              </a:solidFill>
-            </a:endParaRPr>
-          </a:p>
-        </p:txBody>
-      </p:sp>
-      <p:sp>
-        <p:nvSpPr>
-          <p:cNvPr id="4" name="TextBox 3"/>
-          <p:cNvSpPr txBox="1"/>
-          <p:nvPr/>
-        </p:nvSpPr>
-        <p:spPr>
-          <a:xfrm>
-            <a:off x="8529729" y="0"/>
-            <a:ext cx="628698" cy="461665"/>
-          </a:xfrm>
-          <a:prstGeom prst="rect">
-            <a:avLst/>
-          </a:prstGeom>
-          <a:noFill/>
-        </p:spPr>
-        <p:txBody>
-          <a:bodyPr wrap="none" rtlCol="0">
-            <a:spAutoFit/>
-          </a:bodyPr>
-          <a:lstStyle/>
-          <a:p>
-            <a:r>
-              <a:rPr lang="en-GB" sz="2400" b="1" dirty="0">
-                <a:solidFill>
-                  <a:schemeClr val="bg1"/>
-                </a:solidFill>
-              </a:rPr>
-              <a:t>2/5</a:t>
-            </a:r>
-          </a:p>
-        </p:txBody>
-      </p:sp>
-    </p:spTree>
-    <p:extLst>
-      <p:ext uri="{BB962C8B-B14F-4D97-AF65-F5344CB8AC3E}">
-        <p14:creationId xmlns:p14="http://schemas.microsoft.com/office/powerpoint/2010/main" val="2793727316"/>
-      </p:ext>
-    </p:extLst>
-  </p:cSld>
-  <p:clrMapOvr>
-    <a:masterClrMapping/>
-  </p:clrMapOvr>
-</p:sld>
-</file>
-
-<file path=ppt/slides/slide41.xml><?xml version="1.0" encoding="utf-8"?>
-<p:sld xmlns:a="http://schemas.openxmlformats.org/drawingml/2006/main" xmlns:r="http://schemas.openxmlformats.org/officeDocument/2006/relationships" xmlns:p="http://schemas.openxmlformats.org/presentationml/2006/main">
-  <p:cSld>
-    <p:spTree>
-      <p:nvGrpSpPr>
-        <p:cNvPr id="1" name=""/>
-        <p:cNvGrpSpPr/>
-        <p:nvPr/>
-      </p:nvGrpSpPr>
-      <p:grpSpPr>
-        <a:xfrm>
-          <a:off x="0" y="0"/>
-          <a:ext cx="0" cy="0"/>
-          <a:chOff x="0" y="0"/>
-          <a:chExt cx="0" cy="0"/>
-        </a:xfrm>
-      </p:grpSpPr>
-      <p:sp>
-        <p:nvSpPr>
-          <p:cNvPr id="3" name="Subtitle 2"/>
-          <p:cNvSpPr>
-            <a:spLocks noGrp="1"/>
-          </p:cNvSpPr>
-          <p:nvPr>
-            <p:ph type="subTitle" idx="1"/>
-          </p:nvPr>
-        </p:nvSpPr>
-        <p:spPr>
-          <a:xfrm>
-            <a:off x="323528" y="188640"/>
-            <a:ext cx="8640960" cy="6480720"/>
-          </a:xfrm>
-        </p:spPr>
-        <p:txBody>
-          <a:bodyPr>
-            <a:noAutofit/>
-          </a:bodyPr>
-          <a:lstStyle/>
-          <a:p>
-            <a:r>
-              <a:rPr lang="en-GB" sz="4000" dirty="0">
-                <a:solidFill>
-                  <a:schemeClr val="bg1"/>
-                </a:solidFill>
-              </a:rPr>
-              <a:t>I've still got joy in chaos</a:t>
-            </a:r>
-          </a:p>
-          <a:p>
-            <a:r>
-              <a:rPr lang="en-GB" sz="4000" dirty="0">
-                <a:solidFill>
-                  <a:schemeClr val="bg1"/>
-                </a:solidFill>
-              </a:rPr>
-              <a:t>I've got peace that makes no sense</a:t>
-            </a:r>
-          </a:p>
-          <a:p>
-            <a:r>
-              <a:rPr lang="en-GB" sz="4000" dirty="0">
-                <a:solidFill>
-                  <a:schemeClr val="bg1"/>
-                </a:solidFill>
-              </a:rPr>
-              <a:t>So I won't be going under</a:t>
-            </a:r>
-          </a:p>
-          <a:p>
-            <a:r>
-              <a:rPr lang="en-GB" sz="4000" dirty="0">
-                <a:solidFill>
-                  <a:schemeClr val="bg1"/>
-                </a:solidFill>
-              </a:rPr>
-              <a:t>I'm not held by my own strength</a:t>
-            </a:r>
-          </a:p>
-          <a:p>
-            <a:r>
-              <a:rPr lang="en-GB" sz="4000" dirty="0" err="1">
-                <a:solidFill>
-                  <a:schemeClr val="bg1"/>
-                </a:solidFill>
-              </a:rPr>
-              <a:t>'Cause</a:t>
-            </a:r>
-            <a:r>
-              <a:rPr lang="en-GB" sz="4000" dirty="0">
-                <a:solidFill>
-                  <a:schemeClr val="bg1"/>
-                </a:solidFill>
-              </a:rPr>
-              <a:t> I've built my life on Jesus</a:t>
-            </a:r>
-          </a:p>
-          <a:p>
-            <a:r>
-              <a:rPr lang="en-GB" sz="4000" dirty="0">
-                <a:solidFill>
-                  <a:schemeClr val="bg1"/>
-                </a:solidFill>
-              </a:rPr>
-              <a:t>He's never let me down</a:t>
-            </a:r>
-          </a:p>
-          <a:p>
-            <a:r>
-              <a:rPr lang="en-GB" sz="4000" dirty="0">
-                <a:solidFill>
-                  <a:schemeClr val="bg1"/>
-                </a:solidFill>
-              </a:rPr>
-              <a:t>He's faithful in every season</a:t>
-            </a:r>
-          </a:p>
-          <a:p>
-            <a:r>
-              <a:rPr lang="en-GB" sz="4000" dirty="0">
-                <a:solidFill>
-                  <a:schemeClr val="bg1"/>
-                </a:solidFill>
-              </a:rPr>
-              <a:t>So why would He fail now</a:t>
-            </a:r>
-          </a:p>
-        </p:txBody>
-      </p:sp>
-      <p:sp>
-        <p:nvSpPr>
-          <p:cNvPr id="4" name="TextBox 3"/>
-          <p:cNvSpPr txBox="1"/>
-          <p:nvPr/>
-        </p:nvSpPr>
-        <p:spPr>
-          <a:xfrm>
-            <a:off x="8529729" y="0"/>
-            <a:ext cx="628698" cy="461665"/>
-          </a:xfrm>
-          <a:prstGeom prst="rect">
-            <a:avLst/>
-          </a:prstGeom>
-          <a:noFill/>
-        </p:spPr>
-        <p:txBody>
-          <a:bodyPr wrap="none" rtlCol="0">
-            <a:spAutoFit/>
-          </a:bodyPr>
-          <a:lstStyle/>
-          <a:p>
-            <a:r>
-              <a:rPr lang="en-GB" sz="2400" b="1" dirty="0">
-                <a:solidFill>
-                  <a:schemeClr val="bg1"/>
-                </a:solidFill>
-              </a:rPr>
-              <a:t>3/5</a:t>
-            </a:r>
-          </a:p>
-        </p:txBody>
-      </p:sp>
-    </p:spTree>
-    <p:extLst>
-      <p:ext uri="{BB962C8B-B14F-4D97-AF65-F5344CB8AC3E}">
-        <p14:creationId xmlns:p14="http://schemas.microsoft.com/office/powerpoint/2010/main" val="1975335226"/>
-      </p:ext>
-    </p:extLst>
-  </p:cSld>
-  <p:clrMapOvr>
-    <a:masterClrMapping/>
-  </p:clrMapOvr>
-</p:sld>
-</file>
-
-<file path=ppt/slides/slide42.xml><?xml version="1.0" encoding="utf-8"?>
-<p:sld xmlns:a="http://schemas.openxmlformats.org/drawingml/2006/main" xmlns:r="http://schemas.openxmlformats.org/officeDocument/2006/relationships" xmlns:p="http://schemas.openxmlformats.org/presentationml/2006/main">
-  <p:cSld>
-    <p:spTree>
-      <p:nvGrpSpPr>
-        <p:cNvPr id="1" name=""/>
-        <p:cNvGrpSpPr/>
-        <p:nvPr/>
-      </p:nvGrpSpPr>
-      <p:grpSpPr>
-        <a:xfrm>
-          <a:off x="0" y="0"/>
-          <a:ext cx="0" cy="0"/>
-          <a:chOff x="0" y="0"/>
-          <a:chExt cx="0" cy="0"/>
-        </a:xfrm>
-      </p:grpSpPr>
-      <p:sp>
-        <p:nvSpPr>
-          <p:cNvPr id="3" name="Subtitle 2"/>
-          <p:cNvSpPr>
-            <a:spLocks noGrp="1"/>
-          </p:cNvSpPr>
-          <p:nvPr>
-            <p:ph type="subTitle" idx="1"/>
-          </p:nvPr>
-        </p:nvSpPr>
-        <p:spPr>
-          <a:xfrm>
-            <a:off x="323528" y="188640"/>
-            <a:ext cx="8640960" cy="6480720"/>
-          </a:xfrm>
-        </p:spPr>
-        <p:txBody>
-          <a:bodyPr>
-            <a:noAutofit/>
-          </a:bodyPr>
-          <a:lstStyle/>
-          <a:p>
-            <a:r>
-              <a:rPr lang="en-GB" sz="4000" dirty="0">
-                <a:solidFill>
-                  <a:schemeClr val="bg1"/>
-                </a:solidFill>
-              </a:rPr>
-              <a:t>He won’t</a:t>
-            </a:r>
-            <a:br>
-              <a:rPr lang="en-GB" sz="4000" dirty="0">
-                <a:solidFill>
-                  <a:schemeClr val="bg1"/>
-                </a:solidFill>
-              </a:rPr>
-            </a:br>
-            <a:r>
-              <a:rPr lang="en-GB" sz="4000" dirty="0">
-                <a:solidFill>
-                  <a:schemeClr val="bg1"/>
-                </a:solidFill>
-              </a:rPr>
-              <a:t>He won't</a:t>
-            </a:r>
-          </a:p>
-          <a:p>
-            <a:r>
-              <a:rPr lang="en-GB" sz="4000" dirty="0">
-                <a:solidFill>
-                  <a:schemeClr val="bg1"/>
-                </a:solidFill>
-              </a:rPr>
-              <a:t>He won't fail</a:t>
-            </a:r>
-          </a:p>
-          <a:p>
-            <a:r>
-              <a:rPr lang="en-GB" sz="4000" dirty="0">
-                <a:solidFill>
-                  <a:schemeClr val="bg1"/>
-                </a:solidFill>
-              </a:rPr>
-              <a:t>He won't fail</a:t>
-            </a:r>
-          </a:p>
-        </p:txBody>
-      </p:sp>
-      <p:sp>
-        <p:nvSpPr>
-          <p:cNvPr id="4" name="TextBox 3"/>
-          <p:cNvSpPr txBox="1"/>
-          <p:nvPr/>
-        </p:nvSpPr>
-        <p:spPr>
-          <a:xfrm>
-            <a:off x="8529729" y="0"/>
-            <a:ext cx="628698" cy="461665"/>
-          </a:xfrm>
-          <a:prstGeom prst="rect">
-            <a:avLst/>
-          </a:prstGeom>
-          <a:noFill/>
-        </p:spPr>
-        <p:txBody>
-          <a:bodyPr wrap="none" rtlCol="0">
-            <a:spAutoFit/>
-          </a:bodyPr>
-          <a:lstStyle/>
-          <a:p>
-            <a:r>
-              <a:rPr lang="en-GB" sz="2400" b="1" dirty="0">
-                <a:solidFill>
-                  <a:schemeClr val="bg1"/>
-                </a:solidFill>
-              </a:rPr>
-              <a:t>4/5</a:t>
-            </a:r>
-          </a:p>
-        </p:txBody>
-      </p:sp>
-    </p:spTree>
-    <p:extLst>
-      <p:ext uri="{BB962C8B-B14F-4D97-AF65-F5344CB8AC3E}">
-        <p14:creationId xmlns:p14="http://schemas.microsoft.com/office/powerpoint/2010/main" val="2414663546"/>
-      </p:ext>
-    </p:extLst>
-  </p:cSld>
-  <p:clrMapOvr>
-    <a:masterClrMapping/>
-  </p:clrMapOvr>
-</p:sld>
-</file>
-
-<file path=ppt/slides/slide43.xml><?xml version="1.0" encoding="utf-8"?>
-<p:sld xmlns:a="http://schemas.openxmlformats.org/drawingml/2006/main" xmlns:r="http://schemas.openxmlformats.org/officeDocument/2006/relationships" xmlns:p="http://schemas.openxmlformats.org/presentationml/2006/main">
-  <p:cSld>
-    <p:spTree>
-      <p:nvGrpSpPr>
-        <p:cNvPr id="1" name=""/>
-        <p:cNvGrpSpPr/>
-        <p:nvPr/>
-      </p:nvGrpSpPr>
-      <p:grpSpPr>
-        <a:xfrm>
-          <a:off x="0" y="0"/>
-          <a:ext cx="0" cy="0"/>
-          <a:chOff x="0" y="0"/>
-          <a:chExt cx="0" cy="0"/>
-        </a:xfrm>
-      </p:grpSpPr>
-      <p:sp>
-        <p:nvSpPr>
-          <p:cNvPr id="3" name="Subtitle 2"/>
-          <p:cNvSpPr>
-            <a:spLocks noGrp="1"/>
-          </p:cNvSpPr>
-          <p:nvPr>
-            <p:ph type="subTitle" idx="1"/>
-          </p:nvPr>
-        </p:nvSpPr>
-        <p:spPr>
-          <a:xfrm>
-            <a:off x="323528" y="188640"/>
-            <a:ext cx="8640960" cy="6480720"/>
-          </a:xfrm>
-        </p:spPr>
-        <p:txBody>
-          <a:bodyPr>
-            <a:noAutofit/>
-          </a:bodyPr>
-          <a:lstStyle/>
-          <a:p>
-            <a:r>
-              <a:rPr lang="en-GB" sz="4000" dirty="0">
-                <a:solidFill>
-                  <a:schemeClr val="bg1"/>
-                </a:solidFill>
-              </a:rPr>
-              <a:t>Rain came and wind blew</a:t>
-            </a:r>
-          </a:p>
-          <a:p>
-            <a:r>
-              <a:rPr lang="en-GB" sz="4000" dirty="0">
-                <a:solidFill>
-                  <a:schemeClr val="bg1"/>
-                </a:solidFill>
-              </a:rPr>
-              <a:t>My house was built on You</a:t>
-            </a:r>
-          </a:p>
-          <a:p>
-            <a:r>
-              <a:rPr lang="en-GB" sz="4000" dirty="0">
-                <a:solidFill>
-                  <a:schemeClr val="bg1"/>
-                </a:solidFill>
-              </a:rPr>
-              <a:t>I'm safe with You</a:t>
-            </a:r>
-          </a:p>
-          <a:p>
-            <a:r>
-              <a:rPr lang="en-GB" sz="4000" dirty="0">
-                <a:solidFill>
-                  <a:schemeClr val="bg1"/>
-                </a:solidFill>
-              </a:rPr>
-              <a:t>I'm going to make it through</a:t>
-            </a:r>
-          </a:p>
-        </p:txBody>
-      </p:sp>
-      <p:sp>
-        <p:nvSpPr>
-          <p:cNvPr id="4" name="TextBox 3"/>
-          <p:cNvSpPr txBox="1"/>
-          <p:nvPr/>
-        </p:nvSpPr>
-        <p:spPr>
-          <a:xfrm>
-            <a:off x="8529729" y="0"/>
-            <a:ext cx="628698" cy="461665"/>
-          </a:xfrm>
-          <a:prstGeom prst="rect">
-            <a:avLst/>
-          </a:prstGeom>
-          <a:noFill/>
-        </p:spPr>
-        <p:txBody>
-          <a:bodyPr wrap="none" rtlCol="0">
-            <a:spAutoFit/>
-          </a:bodyPr>
-          <a:lstStyle/>
-          <a:p>
-            <a:r>
-              <a:rPr lang="en-GB" sz="2400" b="1" dirty="0">
-                <a:solidFill>
-                  <a:schemeClr val="bg1"/>
-                </a:solidFill>
-              </a:rPr>
-              <a:t>5/5</a:t>
-            </a:r>
-          </a:p>
-        </p:txBody>
-      </p:sp>
-    </p:spTree>
-    <p:extLst>
-      <p:ext uri="{BB962C8B-B14F-4D97-AF65-F5344CB8AC3E}">
-        <p14:creationId xmlns:p14="http://schemas.microsoft.com/office/powerpoint/2010/main" val="3141125249"/>
       </p:ext>
     </p:extLst>
   </p:cSld>
